--- a/ABOV/UART/Application note/New UART Flow Chart.pptx
+++ b/ABOV/UART/Application note/New UART Flow Chart.pptx
@@ -245,7 +245,7 @@
           <a:p>
             <a:fld id="{E9FA119A-9414-44B2-9670-6F91A23FFF43}" type="datetimeFigureOut">
               <a:rPr lang="ko-KR" altLang="en-US" smtClean="0"/>
-              <a:t>2020-03-13</a:t>
+              <a:t>2020-03-16</a:t>
             </a:fld>
             <a:endParaRPr lang="ko-KR" altLang="en-US"/>
           </a:p>
@@ -415,7 +415,7 @@
           <a:p>
             <a:fld id="{E9FA119A-9414-44B2-9670-6F91A23FFF43}" type="datetimeFigureOut">
               <a:rPr lang="ko-KR" altLang="en-US" smtClean="0"/>
-              <a:t>2020-03-13</a:t>
+              <a:t>2020-03-16</a:t>
             </a:fld>
             <a:endParaRPr lang="ko-KR" altLang="en-US"/>
           </a:p>
@@ -595,7 +595,7 @@
           <a:p>
             <a:fld id="{E9FA119A-9414-44B2-9670-6F91A23FFF43}" type="datetimeFigureOut">
               <a:rPr lang="ko-KR" altLang="en-US" smtClean="0"/>
-              <a:t>2020-03-13</a:t>
+              <a:t>2020-03-16</a:t>
             </a:fld>
             <a:endParaRPr lang="ko-KR" altLang="en-US"/>
           </a:p>
@@ -765,7 +765,7 @@
           <a:p>
             <a:fld id="{E9FA119A-9414-44B2-9670-6F91A23FFF43}" type="datetimeFigureOut">
               <a:rPr lang="ko-KR" altLang="en-US" smtClean="0"/>
-              <a:t>2020-03-13</a:t>
+              <a:t>2020-03-16</a:t>
             </a:fld>
             <a:endParaRPr lang="ko-KR" altLang="en-US"/>
           </a:p>
@@ -1009,7 +1009,7 @@
           <a:p>
             <a:fld id="{E9FA119A-9414-44B2-9670-6F91A23FFF43}" type="datetimeFigureOut">
               <a:rPr lang="ko-KR" altLang="en-US" smtClean="0"/>
-              <a:t>2020-03-13</a:t>
+              <a:t>2020-03-16</a:t>
             </a:fld>
             <a:endParaRPr lang="ko-KR" altLang="en-US"/>
           </a:p>
@@ -1241,7 +1241,7 @@
           <a:p>
             <a:fld id="{E9FA119A-9414-44B2-9670-6F91A23FFF43}" type="datetimeFigureOut">
               <a:rPr lang="ko-KR" altLang="en-US" smtClean="0"/>
-              <a:t>2020-03-13</a:t>
+              <a:t>2020-03-16</a:t>
             </a:fld>
             <a:endParaRPr lang="ko-KR" altLang="en-US"/>
           </a:p>
@@ -1608,7 +1608,7 @@
           <a:p>
             <a:fld id="{E9FA119A-9414-44B2-9670-6F91A23FFF43}" type="datetimeFigureOut">
               <a:rPr lang="ko-KR" altLang="en-US" smtClean="0"/>
-              <a:t>2020-03-13</a:t>
+              <a:t>2020-03-16</a:t>
             </a:fld>
             <a:endParaRPr lang="ko-KR" altLang="en-US"/>
           </a:p>
@@ -1726,7 +1726,7 @@
           <a:p>
             <a:fld id="{E9FA119A-9414-44B2-9670-6F91A23FFF43}" type="datetimeFigureOut">
               <a:rPr lang="ko-KR" altLang="en-US" smtClean="0"/>
-              <a:t>2020-03-13</a:t>
+              <a:t>2020-03-16</a:t>
             </a:fld>
             <a:endParaRPr lang="ko-KR" altLang="en-US"/>
           </a:p>
@@ -1821,7 +1821,7 @@
           <a:p>
             <a:fld id="{E9FA119A-9414-44B2-9670-6F91A23FFF43}" type="datetimeFigureOut">
               <a:rPr lang="ko-KR" altLang="en-US" smtClean="0"/>
-              <a:t>2020-03-13</a:t>
+              <a:t>2020-03-16</a:t>
             </a:fld>
             <a:endParaRPr lang="ko-KR" altLang="en-US"/>
           </a:p>
@@ -2098,7 +2098,7 @@
           <a:p>
             <a:fld id="{E9FA119A-9414-44B2-9670-6F91A23FFF43}" type="datetimeFigureOut">
               <a:rPr lang="ko-KR" altLang="en-US" smtClean="0"/>
-              <a:t>2020-03-13</a:t>
+              <a:t>2020-03-16</a:t>
             </a:fld>
             <a:endParaRPr lang="ko-KR" altLang="en-US"/>
           </a:p>
@@ -2355,7 +2355,7 @@
           <a:p>
             <a:fld id="{E9FA119A-9414-44B2-9670-6F91A23FFF43}" type="datetimeFigureOut">
               <a:rPr lang="ko-KR" altLang="en-US" smtClean="0"/>
-              <a:t>2020-03-13</a:t>
+              <a:t>2020-03-16</a:t>
             </a:fld>
             <a:endParaRPr lang="ko-KR" altLang="en-US"/>
           </a:p>
@@ -2568,7 +2568,7 @@
           <a:p>
             <a:fld id="{E9FA119A-9414-44B2-9670-6F91A23FFF43}" type="datetimeFigureOut">
               <a:rPr lang="ko-KR" altLang="en-US" smtClean="0"/>
-              <a:t>2020-03-13</a:t>
+              <a:t>2020-03-16</a:t>
             </a:fld>
             <a:endParaRPr lang="ko-KR" altLang="en-US"/>
           </a:p>
@@ -3268,7 +3268,6 @@
               <a:rPr lang="en-US" altLang="ko-KR" sz="2400" b="1" dirty="0" smtClean="0"/>
               <a:t># Return value</a:t>
             </a:r>
-            <a:endParaRPr lang="en-US" altLang="ko-KR" sz="2400" b="1" dirty="0" smtClean="0"/>
           </a:p>
           <a:p>
             <a:r>
@@ -3371,8 +3370,8 @@
         </p:nvSpPr>
         <p:spPr>
           <a:xfrm>
-            <a:off x="412831" y="802849"/>
-            <a:ext cx="8164010" cy="4822447"/>
+            <a:off x="412830" y="802849"/>
+            <a:ext cx="11565810" cy="6573311"/>
           </a:xfrm>
           <a:prstGeom prst="rect">
             <a:avLst/>
@@ -3405,7 +3404,7 @@
         </p:nvSpPr>
         <p:spPr>
           <a:xfrm>
-            <a:off x="629468" y="1466039"/>
+            <a:off x="629468" y="5318673"/>
             <a:ext cx="3608873" cy="830997"/>
           </a:xfrm>
           <a:prstGeom prst="rect">
@@ -3524,13 +3523,151 @@
       </p:sp>
       <p:sp>
         <p:nvSpPr>
-          <p:cNvPr id="68" name="다이아몬드 67"/>
+          <p:cNvPr id="79" name="TextBox 78"/>
+          <p:cNvSpPr txBox="1"/>
+          <p:nvPr/>
+        </p:nvSpPr>
+        <p:spPr>
+          <a:xfrm>
+            <a:off x="5315419" y="4580009"/>
+            <a:ext cx="3010632" cy="2308324"/>
+          </a:xfrm>
+          <a:prstGeom prst="rect">
+            <a:avLst/>
+          </a:prstGeom>
+          <a:noFill/>
+          <a:ln>
+            <a:solidFill>
+              <a:schemeClr val="tx1"/>
+            </a:solidFill>
+          </a:ln>
+        </p:spPr>
+        <p:txBody>
+          <a:bodyPr wrap="none" rtlCol="0">
+            <a:spAutoFit/>
+          </a:bodyPr>
+          <a:lstStyle/>
+          <a:p>
+            <a:r>
+              <a:rPr lang="en-US" altLang="ko-KR" sz="2400" dirty="0" smtClean="0"/>
+              <a:t>Enable TX Handler</a:t>
+            </a:r>
+          </a:p>
+          <a:p>
+            <a:endParaRPr lang="en-US" altLang="ko-KR" sz="2400" dirty="0" smtClean="0"/>
+          </a:p>
+          <a:p>
+            <a:r>
+              <a:rPr lang="en-US" altLang="ko-KR" sz="2400" dirty="0" smtClean="0"/>
+              <a:t>If(polling){</a:t>
+            </a:r>
+          </a:p>
+          <a:p>
+            <a:r>
+              <a:rPr lang="en-US" altLang="ko-KR" sz="2400" dirty="0" smtClean="0"/>
+              <a:t> while(tStatus==Txing)</a:t>
+            </a:r>
+          </a:p>
+          <a:p>
+            <a:r>
+              <a:rPr lang="en-US" altLang="ko-KR" sz="2400" dirty="0"/>
+              <a:t> </a:t>
+            </a:r>
+            <a:r>
+              <a:rPr lang="en-US" altLang="ko-KR" sz="2400" dirty="0" smtClean="0"/>
+              <a:t>{UART_TX_Handler();}</a:t>
+            </a:r>
+          </a:p>
+          <a:p>
+            <a:r>
+              <a:rPr lang="en-US" altLang="ko-KR" sz="2400" dirty="0" smtClean="0"/>
+              <a:t>}</a:t>
+            </a:r>
+          </a:p>
+        </p:txBody>
+      </p:sp>
+      <p:cxnSp>
+        <p:nvCxnSpPr>
+          <p:cNvPr id="80" name="직선 화살표 연결선 79"/>
+          <p:cNvCxnSpPr>
+            <a:stCxn id="125" idx="3"/>
+            <a:endCxn id="79" idx="1"/>
+          </p:cNvCxnSpPr>
+          <p:nvPr/>
+        </p:nvCxnSpPr>
+        <p:spPr>
+          <a:xfrm flipV="1">
+            <a:off x="4238341" y="5734171"/>
+            <a:ext cx="1077078" cy="1"/>
+          </a:xfrm>
+          <a:prstGeom prst="straightConnector1">
+            <a:avLst/>
+          </a:prstGeom>
+          <a:ln w="28575">
+            <a:solidFill>
+              <a:schemeClr val="tx1"/>
+            </a:solidFill>
+            <a:tailEnd type="triangle" w="lg" len="lg"/>
+          </a:ln>
+        </p:spPr>
+        <p:style>
+          <a:lnRef idx="1">
+            <a:schemeClr val="accent1"/>
+          </a:lnRef>
+          <a:fillRef idx="0">
+            <a:schemeClr val="accent1"/>
+          </a:fillRef>
+          <a:effectRef idx="0">
+            <a:schemeClr val="accent1"/>
+          </a:effectRef>
+          <a:fontRef idx="minor">
+            <a:schemeClr val="tx1"/>
+          </a:fontRef>
+        </p:style>
+      </p:cxnSp>
+      <p:sp>
+        <p:nvSpPr>
+          <p:cNvPr id="92" name="TextBox 91"/>
+          <p:cNvSpPr txBox="1"/>
+          <p:nvPr/>
+        </p:nvSpPr>
+        <p:spPr>
+          <a:xfrm>
+            <a:off x="412831" y="7827583"/>
+            <a:ext cx="10692050" cy="6132257"/>
+          </a:xfrm>
+          <a:prstGeom prst="rect">
+            <a:avLst/>
+          </a:prstGeom>
+          <a:noFill/>
+          <a:ln>
+            <a:solidFill>
+              <a:schemeClr val="tx1"/>
+            </a:solidFill>
+          </a:ln>
+        </p:spPr>
+        <p:txBody>
+          <a:bodyPr wrap="none" rtlCol="0">
+            <a:noAutofit/>
+          </a:bodyPr>
+          <a:lstStyle/>
+          <a:p>
+            <a:r>
+              <a:rPr lang="en-US" altLang="ko-KR" sz="2400" b="1" dirty="0" smtClean="0"/>
+              <a:t>UART_TX_Handler()</a:t>
+            </a:r>
+          </a:p>
+        </p:txBody>
+      </p:sp>
+      <p:sp>
+        <p:nvSpPr>
+          <p:cNvPr id="101" name="다이아몬드 100"/>
           <p:cNvSpPr/>
           <p:nvPr/>
         </p:nvSpPr>
         <p:spPr>
           <a:xfrm>
-            <a:off x="1140950" y="2869057"/>
+            <a:off x="676130" y="8494251"/>
             <a:ext cx="2585908" cy="1446835"/>
           </a:xfrm>
           <a:prstGeom prst="diamond">
@@ -3567,400 +3704,25 @@
           <a:p>
             <a:pPr algn="ctr"/>
             <a:r>
-              <a:rPr lang="en-US" altLang="ko-KR" sz="2400" dirty="0" err="1" smtClean="0">
-                <a:solidFill>
-                  <a:schemeClr val="tx1"/>
-                </a:solidFill>
-              </a:rPr>
-              <a:t>tHead</a:t>
-            </a:r>
-            <a:r>
               <a:rPr lang="en-US" altLang="ko-KR" sz="2400" dirty="0" smtClean="0">
                 <a:solidFill>
                   <a:schemeClr val="tx1"/>
                 </a:solidFill>
               </a:rPr>
-              <a:t>==</a:t>
-            </a:r>
-          </a:p>
-          <a:p>
-            <a:pPr algn="ctr"/>
-            <a:r>
-              <a:rPr lang="en-US" altLang="ko-KR" sz="2400" dirty="0" smtClean="0">
-                <a:solidFill>
-                  <a:schemeClr val="tx1"/>
-                </a:solidFill>
-              </a:rPr>
-              <a:t>Max?</a:t>
-            </a:r>
-          </a:p>
-        </p:txBody>
-      </p:sp>
-      <p:cxnSp>
-        <p:nvCxnSpPr>
-          <p:cNvPr id="69" name="직선 화살표 연결선 68"/>
-          <p:cNvCxnSpPr>
-            <a:stCxn id="125" idx="2"/>
-            <a:endCxn id="68" idx="0"/>
-          </p:cNvCxnSpPr>
-          <p:nvPr/>
-        </p:nvCxnSpPr>
-        <p:spPr>
-          <a:xfrm flipH="1">
-            <a:off x="2433904" y="2297036"/>
-            <a:ext cx="1" cy="572021"/>
-          </a:xfrm>
-          <a:prstGeom prst="straightConnector1">
-            <a:avLst/>
-          </a:prstGeom>
-          <a:ln w="28575">
-            <a:solidFill>
-              <a:schemeClr val="tx1"/>
-            </a:solidFill>
-            <a:tailEnd type="triangle" w="lg" len="lg"/>
-          </a:ln>
-        </p:spPr>
-        <p:style>
-          <a:lnRef idx="1">
-            <a:schemeClr val="accent1"/>
-          </a:lnRef>
-          <a:fillRef idx="0">
-            <a:schemeClr val="accent1"/>
-          </a:fillRef>
-          <a:effectRef idx="0">
-            <a:schemeClr val="accent1"/>
-          </a:effectRef>
-          <a:fontRef idx="minor">
-            <a:schemeClr val="tx1"/>
-          </a:fontRef>
-        </p:style>
-      </p:cxnSp>
-      <p:sp>
-        <p:nvSpPr>
-          <p:cNvPr id="73" name="TextBox 72"/>
-          <p:cNvSpPr txBox="1"/>
-          <p:nvPr/>
-        </p:nvSpPr>
-        <p:spPr>
-          <a:xfrm>
-            <a:off x="1738842" y="4892146"/>
-            <a:ext cx="1390124" cy="461665"/>
-          </a:xfrm>
-          <a:prstGeom prst="rect">
-            <a:avLst/>
-          </a:prstGeom>
-          <a:noFill/>
-          <a:ln>
-            <a:solidFill>
-              <a:schemeClr val="tx1"/>
-            </a:solidFill>
-          </a:ln>
-        </p:spPr>
-        <p:txBody>
-          <a:bodyPr wrap="none" rtlCol="0">
-            <a:spAutoFit/>
-          </a:bodyPr>
-          <a:lstStyle/>
-          <a:p>
-            <a:r>
-              <a:rPr lang="en-US" altLang="ko-KR" sz="2400" dirty="0" err="1" smtClean="0"/>
-              <a:t>tHead</a:t>
-            </a:r>
-            <a:r>
-              <a:rPr lang="en-US" altLang="ko-KR" sz="2400" dirty="0" smtClean="0"/>
-              <a:t> = 0</a:t>
-            </a:r>
-          </a:p>
-        </p:txBody>
-      </p:sp>
-      <p:cxnSp>
-        <p:nvCxnSpPr>
-          <p:cNvPr id="74" name="직선 화살표 연결선 73"/>
-          <p:cNvCxnSpPr>
-            <a:stCxn id="68" idx="2"/>
-            <a:endCxn id="73" idx="0"/>
-          </p:cNvCxnSpPr>
-          <p:nvPr/>
-        </p:nvCxnSpPr>
-        <p:spPr>
-          <a:xfrm>
-            <a:off x="2433904" y="4315892"/>
-            <a:ext cx="0" cy="576254"/>
-          </a:xfrm>
-          <a:prstGeom prst="straightConnector1">
-            <a:avLst/>
-          </a:prstGeom>
-          <a:ln w="28575">
-            <a:solidFill>
-              <a:schemeClr val="tx1"/>
-            </a:solidFill>
-            <a:tailEnd type="triangle" w="lg" len="lg"/>
-          </a:ln>
-        </p:spPr>
-        <p:style>
-          <a:lnRef idx="1">
-            <a:schemeClr val="accent1"/>
-          </a:lnRef>
-          <a:fillRef idx="0">
-            <a:schemeClr val="accent1"/>
-          </a:fillRef>
-          <a:effectRef idx="0">
-            <a:schemeClr val="accent1"/>
-          </a:effectRef>
-          <a:fontRef idx="minor">
-            <a:schemeClr val="tx1"/>
-          </a:fontRef>
-        </p:style>
-      </p:cxnSp>
-      <p:sp>
-        <p:nvSpPr>
-          <p:cNvPr id="79" name="TextBox 78"/>
-          <p:cNvSpPr txBox="1"/>
-          <p:nvPr/>
-        </p:nvSpPr>
-        <p:spPr>
-          <a:xfrm>
-            <a:off x="5315419" y="2438312"/>
-            <a:ext cx="3010632" cy="2308324"/>
-          </a:xfrm>
-          <a:prstGeom prst="rect">
-            <a:avLst/>
-          </a:prstGeom>
-          <a:noFill/>
-          <a:ln>
-            <a:solidFill>
-              <a:schemeClr val="tx1"/>
-            </a:solidFill>
-          </a:ln>
-        </p:spPr>
-        <p:txBody>
-          <a:bodyPr wrap="none" rtlCol="0">
-            <a:spAutoFit/>
-          </a:bodyPr>
-          <a:lstStyle/>
-          <a:p>
-            <a:r>
-              <a:rPr lang="en-US" altLang="ko-KR" sz="2400" dirty="0" smtClean="0"/>
-              <a:t>Enable TX Handler</a:t>
-            </a:r>
-          </a:p>
-          <a:p>
-            <a:endParaRPr lang="en-US" altLang="ko-KR" sz="2400" dirty="0" smtClean="0"/>
-          </a:p>
-          <a:p>
-            <a:r>
-              <a:rPr lang="en-US" altLang="ko-KR" sz="2400" dirty="0" smtClean="0"/>
-              <a:t>If(polling){</a:t>
-            </a:r>
-          </a:p>
-          <a:p>
-            <a:r>
-              <a:rPr lang="en-US" altLang="ko-KR" sz="2400" dirty="0" smtClean="0"/>
-              <a:t> while(tStatus==Txing)</a:t>
-            </a:r>
-          </a:p>
-          <a:p>
-            <a:r>
-              <a:rPr lang="en-US" altLang="ko-KR" sz="2400" dirty="0"/>
-              <a:t> </a:t>
-            </a:r>
-            <a:r>
-              <a:rPr lang="en-US" altLang="ko-KR" sz="2400" dirty="0" smtClean="0"/>
-              <a:t>{UART_TX_Handler();}</a:t>
-            </a:r>
-          </a:p>
-          <a:p>
-            <a:r>
-              <a:rPr lang="en-US" altLang="ko-KR" sz="2400" dirty="0" smtClean="0"/>
-              <a:t>}</a:t>
-            </a:r>
-          </a:p>
-        </p:txBody>
-      </p:sp>
-      <p:cxnSp>
-        <p:nvCxnSpPr>
-          <p:cNvPr id="80" name="직선 화살표 연결선 79"/>
-          <p:cNvCxnSpPr>
-            <a:stCxn id="68" idx="3"/>
-            <a:endCxn id="79" idx="1"/>
-          </p:cNvCxnSpPr>
-          <p:nvPr/>
-        </p:nvCxnSpPr>
-        <p:spPr>
-          <a:xfrm flipV="1">
-            <a:off x="3726858" y="3592474"/>
-            <a:ext cx="1588561" cy="1"/>
-          </a:xfrm>
-          <a:prstGeom prst="straightConnector1">
-            <a:avLst/>
-          </a:prstGeom>
-          <a:ln w="28575">
-            <a:solidFill>
-              <a:schemeClr val="tx1"/>
-            </a:solidFill>
-            <a:tailEnd type="triangle" w="lg" len="lg"/>
-          </a:ln>
-        </p:spPr>
-        <p:style>
-          <a:lnRef idx="1">
-            <a:schemeClr val="accent1"/>
-          </a:lnRef>
-          <a:fillRef idx="0">
-            <a:schemeClr val="accent1"/>
-          </a:fillRef>
-          <a:effectRef idx="0">
-            <a:schemeClr val="accent1"/>
-          </a:effectRef>
-          <a:fontRef idx="minor">
-            <a:schemeClr val="tx1"/>
-          </a:fontRef>
-        </p:style>
-      </p:cxnSp>
-      <p:cxnSp>
-        <p:nvCxnSpPr>
-          <p:cNvPr id="83" name="직선 화살표 연결선 136"/>
-          <p:cNvCxnSpPr>
-            <a:stCxn id="73" idx="3"/>
-          </p:cNvCxnSpPr>
-          <p:nvPr/>
-        </p:nvCxnSpPr>
-        <p:spPr>
-          <a:xfrm flipV="1">
-            <a:off x="3128966" y="3611365"/>
-            <a:ext cx="1378312" cy="1511614"/>
-          </a:xfrm>
-          <a:prstGeom prst="bentConnector2">
-            <a:avLst/>
-          </a:prstGeom>
-          <a:ln w="28575">
-            <a:solidFill>
-              <a:schemeClr val="tx1"/>
-            </a:solidFill>
-            <a:tailEnd type="triangle" w="lg" len="lg"/>
-          </a:ln>
-        </p:spPr>
-        <p:style>
-          <a:lnRef idx="1">
-            <a:schemeClr val="accent1"/>
-          </a:lnRef>
-          <a:fillRef idx="0">
-            <a:schemeClr val="accent1"/>
-          </a:fillRef>
-          <a:effectRef idx="0">
-            <a:schemeClr val="accent1"/>
-          </a:effectRef>
-          <a:fontRef idx="minor">
-            <a:schemeClr val="tx1"/>
-          </a:fontRef>
-        </p:style>
-      </p:cxnSp>
-      <p:sp>
-        <p:nvSpPr>
-          <p:cNvPr id="88" name="TextBox 87"/>
-          <p:cNvSpPr txBox="1"/>
-          <p:nvPr/>
-        </p:nvSpPr>
-        <p:spPr>
-          <a:xfrm>
-            <a:off x="3637132" y="3128828"/>
-            <a:ext cx="545342" cy="461665"/>
-          </a:xfrm>
-          <a:prstGeom prst="rect">
-            <a:avLst/>
-          </a:prstGeom>
-          <a:noFill/>
-          <a:ln>
-            <a:noFill/>
-          </a:ln>
-        </p:spPr>
-        <p:txBody>
-          <a:bodyPr wrap="none" rtlCol="0">
-            <a:spAutoFit/>
-          </a:bodyPr>
-          <a:lstStyle/>
-          <a:p>
-            <a:r>
-              <a:rPr lang="en-US" altLang="ko-KR" sz="2400" dirty="0" smtClean="0"/>
-              <a:t>No</a:t>
-            </a:r>
-          </a:p>
-        </p:txBody>
-      </p:sp>
-      <p:sp>
-        <p:nvSpPr>
-          <p:cNvPr id="89" name="TextBox 88"/>
-          <p:cNvSpPr txBox="1"/>
-          <p:nvPr/>
-        </p:nvSpPr>
-        <p:spPr>
-          <a:xfrm>
-            <a:off x="2435296" y="4311376"/>
-            <a:ext cx="587340" cy="461665"/>
-          </a:xfrm>
-          <a:prstGeom prst="rect">
-            <a:avLst/>
-          </a:prstGeom>
-          <a:noFill/>
-          <a:ln>
-            <a:noFill/>
-          </a:ln>
-        </p:spPr>
-        <p:txBody>
-          <a:bodyPr wrap="none" rtlCol="0">
-            <a:spAutoFit/>
-          </a:bodyPr>
-          <a:lstStyle/>
-          <a:p>
-            <a:r>
-              <a:rPr lang="en-US" altLang="ko-KR" sz="2400" dirty="0" smtClean="0"/>
-              <a:t>Yes</a:t>
-            </a:r>
-          </a:p>
-        </p:txBody>
-      </p:sp>
-      <p:sp>
-        <p:nvSpPr>
-          <p:cNvPr id="92" name="TextBox 91"/>
-          <p:cNvSpPr txBox="1"/>
-          <p:nvPr/>
-        </p:nvSpPr>
-        <p:spPr>
-          <a:xfrm>
-            <a:off x="412831" y="6029263"/>
-            <a:ext cx="10692050" cy="5908737"/>
-          </a:xfrm>
-          <a:prstGeom prst="rect">
-            <a:avLst/>
-          </a:prstGeom>
-          <a:noFill/>
-          <a:ln>
-            <a:solidFill>
-              <a:schemeClr val="tx1"/>
-            </a:solidFill>
-          </a:ln>
-        </p:spPr>
-        <p:txBody>
-          <a:bodyPr wrap="none" rtlCol="0">
-            <a:noAutofit/>
-          </a:bodyPr>
-          <a:lstStyle/>
-          <a:p>
-            <a:r>
-              <a:rPr lang="en-US" altLang="ko-KR" sz="2400" b="1" dirty="0" smtClean="0"/>
-              <a:t>UART_TX_Handler()</a:t>
-            </a:r>
-          </a:p>
-        </p:txBody>
-      </p:sp>
-      <p:sp>
-        <p:nvSpPr>
-          <p:cNvPr id="101" name="다이아몬드 100"/>
+              <a:t>LSR &amp; THRE</a:t>
+            </a:r>
+          </a:p>
+        </p:txBody>
+      </p:sp>
+      <p:sp>
+        <p:nvSpPr>
+          <p:cNvPr id="113" name="다이아몬드 112"/>
           <p:cNvSpPr/>
           <p:nvPr/>
         </p:nvSpPr>
         <p:spPr>
           <a:xfrm>
-            <a:off x="676130" y="6695931"/>
+            <a:off x="676130" y="10462558"/>
             <a:ext cx="2585908" cy="1446835"/>
           </a:xfrm>
           <a:prstGeom prst="diamond">
@@ -3997,25 +3759,310 @@
           <a:p>
             <a:pPr algn="ctr"/>
             <a:r>
+              <a:rPr lang="en-US" altLang="ko-KR" sz="2400" dirty="0" err="1" smtClean="0">
+                <a:solidFill>
+                  <a:schemeClr val="tx1"/>
+                </a:solidFill>
+              </a:rPr>
+              <a:t>tHead</a:t>
+            </a:r>
+            <a:r>
               <a:rPr lang="en-US" altLang="ko-KR" sz="2400" dirty="0" smtClean="0">
                 <a:solidFill>
                   <a:schemeClr val="tx1"/>
                 </a:solidFill>
               </a:rPr>
-              <a:t>LSR &amp; THRE</a:t>
-            </a:r>
-          </a:p>
-        </p:txBody>
-      </p:sp>
-      <p:sp>
-        <p:nvSpPr>
-          <p:cNvPr id="113" name="다이아몬드 112"/>
+              <a:t>==</a:t>
+            </a:r>
+          </a:p>
+          <a:p>
+            <a:pPr algn="ctr"/>
+            <a:r>
+              <a:rPr lang="en-US" altLang="ko-KR" sz="2400" dirty="0" err="1" smtClean="0">
+                <a:solidFill>
+                  <a:schemeClr val="tx1"/>
+                </a:solidFill>
+              </a:rPr>
+              <a:t>tTail</a:t>
+            </a:r>
+            <a:r>
+              <a:rPr lang="en-US" altLang="ko-KR" sz="2400" dirty="0" smtClean="0">
+                <a:solidFill>
+                  <a:schemeClr val="tx1"/>
+                </a:solidFill>
+              </a:rPr>
+              <a:t>?</a:t>
+            </a:r>
+          </a:p>
+        </p:txBody>
+      </p:sp>
+      <p:sp>
+        <p:nvSpPr>
+          <p:cNvPr id="114" name="TextBox 113"/>
+          <p:cNvSpPr txBox="1"/>
+          <p:nvPr/>
+        </p:nvSpPr>
+        <p:spPr>
+          <a:xfrm>
+            <a:off x="697742" y="12430866"/>
+            <a:ext cx="2542684" cy="1200329"/>
+          </a:xfrm>
+          <a:prstGeom prst="rect">
+            <a:avLst/>
+          </a:prstGeom>
+          <a:noFill/>
+          <a:ln>
+            <a:solidFill>
+              <a:schemeClr val="tx1"/>
+            </a:solidFill>
+          </a:ln>
+        </p:spPr>
+        <p:txBody>
+          <a:bodyPr wrap="none" rtlCol="0">
+            <a:spAutoFit/>
+          </a:bodyPr>
+          <a:lstStyle/>
+          <a:p>
+            <a:r>
+              <a:rPr lang="en-US" altLang="ko-KR" sz="2400" dirty="0" err="1" smtClean="0"/>
+              <a:t>tHead</a:t>
+            </a:r>
+            <a:r>
+              <a:rPr lang="en-US" altLang="ko-KR" sz="2400" dirty="0" smtClean="0"/>
+              <a:t> = </a:t>
+            </a:r>
+            <a:r>
+              <a:rPr lang="en-US" altLang="ko-KR" sz="2400" dirty="0" err="1" smtClean="0"/>
+              <a:t>tTail</a:t>
+            </a:r>
+            <a:r>
+              <a:rPr lang="en-US" altLang="ko-KR" sz="2400" dirty="0" smtClean="0"/>
+              <a:t> = 0</a:t>
+            </a:r>
+          </a:p>
+          <a:p>
+            <a:r>
+              <a:rPr lang="en-US" altLang="ko-KR" sz="2400" dirty="0" smtClean="0"/>
+              <a:t>tStatus = Idle</a:t>
+            </a:r>
+          </a:p>
+          <a:p>
+            <a:r>
+              <a:rPr lang="en-US" altLang="ko-KR" sz="2400" dirty="0" smtClean="0"/>
+              <a:t>Disable TX Handler</a:t>
+            </a:r>
+          </a:p>
+        </p:txBody>
+      </p:sp>
+      <p:cxnSp>
+        <p:nvCxnSpPr>
+          <p:cNvPr id="115" name="직선 화살표 연결선 114"/>
+          <p:cNvCxnSpPr>
+            <a:stCxn id="101" idx="2"/>
+            <a:endCxn id="113" idx="0"/>
+          </p:cNvCxnSpPr>
+          <p:nvPr/>
+        </p:nvCxnSpPr>
+        <p:spPr>
+          <a:xfrm>
+            <a:off x="1969084" y="9941086"/>
+            <a:ext cx="0" cy="521472"/>
+          </a:xfrm>
+          <a:prstGeom prst="straightConnector1">
+            <a:avLst/>
+          </a:prstGeom>
+          <a:ln w="28575">
+            <a:solidFill>
+              <a:schemeClr val="tx1"/>
+            </a:solidFill>
+            <a:tailEnd type="triangle" w="lg" len="lg"/>
+          </a:ln>
+        </p:spPr>
+        <p:style>
+          <a:lnRef idx="1">
+            <a:schemeClr val="accent1"/>
+          </a:lnRef>
+          <a:fillRef idx="0">
+            <a:schemeClr val="accent1"/>
+          </a:fillRef>
+          <a:effectRef idx="0">
+            <a:schemeClr val="accent1"/>
+          </a:effectRef>
+          <a:fontRef idx="minor">
+            <a:schemeClr val="tx1"/>
+          </a:fontRef>
+        </p:style>
+      </p:cxnSp>
+      <p:sp>
+        <p:nvSpPr>
+          <p:cNvPr id="116" name="TextBox 115"/>
+          <p:cNvSpPr txBox="1"/>
+          <p:nvPr/>
+        </p:nvSpPr>
+        <p:spPr>
+          <a:xfrm>
+            <a:off x="2049216" y="9909100"/>
+            <a:ext cx="587340" cy="461665"/>
+          </a:xfrm>
+          <a:prstGeom prst="rect">
+            <a:avLst/>
+          </a:prstGeom>
+          <a:noFill/>
+          <a:ln>
+            <a:noFill/>
+          </a:ln>
+        </p:spPr>
+        <p:txBody>
+          <a:bodyPr wrap="none" rtlCol="0">
+            <a:spAutoFit/>
+          </a:bodyPr>
+          <a:lstStyle/>
+          <a:p>
+            <a:r>
+              <a:rPr lang="en-US" altLang="ko-KR" sz="2400" dirty="0" smtClean="0"/>
+              <a:t>Yes</a:t>
+            </a:r>
+          </a:p>
+        </p:txBody>
+      </p:sp>
+      <p:cxnSp>
+        <p:nvCxnSpPr>
+          <p:cNvPr id="117" name="직선 화살표 연결선 116"/>
+          <p:cNvCxnSpPr>
+            <a:stCxn id="113" idx="2"/>
+            <a:endCxn id="114" idx="0"/>
+          </p:cNvCxnSpPr>
+          <p:nvPr/>
+        </p:nvCxnSpPr>
+        <p:spPr>
+          <a:xfrm>
+            <a:off x="1969084" y="11909393"/>
+            <a:ext cx="0" cy="521473"/>
+          </a:xfrm>
+          <a:prstGeom prst="straightConnector1">
+            <a:avLst/>
+          </a:prstGeom>
+          <a:ln w="28575">
+            <a:solidFill>
+              <a:schemeClr val="tx1"/>
+            </a:solidFill>
+            <a:tailEnd type="triangle" w="lg" len="lg"/>
+          </a:ln>
+        </p:spPr>
+        <p:style>
+          <a:lnRef idx="1">
+            <a:schemeClr val="accent1"/>
+          </a:lnRef>
+          <a:fillRef idx="0">
+            <a:schemeClr val="accent1"/>
+          </a:fillRef>
+          <a:effectRef idx="0">
+            <a:schemeClr val="accent1"/>
+          </a:effectRef>
+          <a:fontRef idx="minor">
+            <a:schemeClr val="tx1"/>
+          </a:fontRef>
+        </p:style>
+      </p:cxnSp>
+      <p:sp>
+        <p:nvSpPr>
+          <p:cNvPr id="118" name="TextBox 117"/>
+          <p:cNvSpPr txBox="1"/>
+          <p:nvPr/>
+        </p:nvSpPr>
+        <p:spPr>
+          <a:xfrm>
+            <a:off x="2049216" y="11860256"/>
+            <a:ext cx="587340" cy="461665"/>
+          </a:xfrm>
+          <a:prstGeom prst="rect">
+            <a:avLst/>
+          </a:prstGeom>
+          <a:noFill/>
+          <a:ln>
+            <a:noFill/>
+          </a:ln>
+        </p:spPr>
+        <p:txBody>
+          <a:bodyPr wrap="none" rtlCol="0">
+            <a:spAutoFit/>
+          </a:bodyPr>
+          <a:lstStyle/>
+          <a:p>
+            <a:r>
+              <a:rPr lang="en-US" altLang="ko-KR" sz="2400" dirty="0" smtClean="0"/>
+              <a:t>Yes</a:t>
+            </a:r>
+          </a:p>
+        </p:txBody>
+      </p:sp>
+      <p:sp>
+        <p:nvSpPr>
+          <p:cNvPr id="119" name="TextBox 118"/>
+          <p:cNvSpPr txBox="1"/>
+          <p:nvPr/>
+        </p:nvSpPr>
+        <p:spPr>
+          <a:xfrm>
+            <a:off x="4465904" y="8986836"/>
+            <a:ext cx="4246291" cy="461665"/>
+          </a:xfrm>
+          <a:prstGeom prst="rect">
+            <a:avLst/>
+          </a:prstGeom>
+          <a:noFill/>
+          <a:ln>
+            <a:solidFill>
+              <a:schemeClr val="tx1"/>
+            </a:solidFill>
+          </a:ln>
+        </p:spPr>
+        <p:txBody>
+          <a:bodyPr wrap="none" rtlCol="0">
+            <a:spAutoFit/>
+          </a:bodyPr>
+          <a:lstStyle/>
+          <a:p>
+            <a:r>
+              <a:rPr lang="en-US" altLang="ko-KR" sz="2400" dirty="0" err="1" smtClean="0">
+                <a:solidFill>
+                  <a:srgbClr val="0000FF"/>
+                </a:solidFill>
+              </a:rPr>
+              <a:t>UARTx</a:t>
+            </a:r>
+            <a:r>
+              <a:rPr lang="en-US" altLang="ko-KR" sz="2400" dirty="0" smtClean="0">
+                <a:solidFill>
+                  <a:srgbClr val="0000FF"/>
+                </a:solidFill>
+              </a:rPr>
+              <a:t>-&gt;THR</a:t>
+            </a:r>
+            <a:r>
+              <a:rPr lang="en-US" altLang="ko-KR" sz="2400" dirty="0" smtClean="0"/>
+              <a:t> = Tx_Buffer[</a:t>
+            </a:r>
+            <a:r>
+              <a:rPr lang="en-US" altLang="ko-KR" sz="2400" dirty="0" err="1" smtClean="0"/>
+              <a:t>tTail</a:t>
+            </a:r>
+            <a:r>
+              <a:rPr lang="en-US" altLang="ko-KR" sz="2400" dirty="0" smtClean="0"/>
+              <a:t>++]</a:t>
+            </a:r>
+          </a:p>
+        </p:txBody>
+      </p:sp>
+      <p:sp>
+        <p:nvSpPr>
+          <p:cNvPr id="120" name="다이아몬드 119"/>
           <p:cNvSpPr/>
           <p:nvPr/>
         </p:nvSpPr>
         <p:spPr>
           <a:xfrm>
-            <a:off x="676130" y="8664238"/>
+            <a:off x="5296095" y="10308599"/>
             <a:ext cx="2585908" cy="1446835"/>
           </a:xfrm>
           <a:prstGeom prst="diamond">
@@ -4057,340 +4104,6 @@
                   <a:schemeClr val="tx1"/>
                 </a:solidFill>
               </a:rPr>
-              <a:t>tHead</a:t>
-            </a:r>
-            <a:r>
-              <a:rPr lang="en-US" altLang="ko-KR" sz="2400" dirty="0" smtClean="0">
-                <a:solidFill>
-                  <a:schemeClr val="tx1"/>
-                </a:solidFill>
-              </a:rPr>
-              <a:t>==</a:t>
-            </a:r>
-          </a:p>
-          <a:p>
-            <a:pPr algn="ctr"/>
-            <a:r>
-              <a:rPr lang="en-US" altLang="ko-KR" sz="2400" dirty="0" err="1" smtClean="0">
-                <a:solidFill>
-                  <a:schemeClr val="tx1"/>
-                </a:solidFill>
-              </a:rPr>
-              <a:t>tTail</a:t>
-            </a:r>
-            <a:r>
-              <a:rPr lang="en-US" altLang="ko-KR" sz="2400" dirty="0" smtClean="0">
-                <a:solidFill>
-                  <a:schemeClr val="tx1"/>
-                </a:solidFill>
-              </a:rPr>
-              <a:t>?</a:t>
-            </a:r>
-          </a:p>
-        </p:txBody>
-      </p:sp>
-      <p:sp>
-        <p:nvSpPr>
-          <p:cNvPr id="114" name="TextBox 113"/>
-          <p:cNvSpPr txBox="1"/>
-          <p:nvPr/>
-        </p:nvSpPr>
-        <p:spPr>
-          <a:xfrm>
-            <a:off x="869264" y="10632546"/>
-            <a:ext cx="2199641" cy="830997"/>
-          </a:xfrm>
-          <a:prstGeom prst="rect">
-            <a:avLst/>
-          </a:prstGeom>
-          <a:noFill/>
-          <a:ln>
-            <a:solidFill>
-              <a:schemeClr val="tx1"/>
-            </a:solidFill>
-          </a:ln>
-        </p:spPr>
-        <p:txBody>
-          <a:bodyPr wrap="none" rtlCol="0">
-            <a:spAutoFit/>
-          </a:bodyPr>
-          <a:lstStyle/>
-          <a:p>
-            <a:r>
-              <a:rPr lang="en-US" altLang="ko-KR" sz="2400" dirty="0" err="1" smtClean="0"/>
-              <a:t>tHead</a:t>
-            </a:r>
-            <a:r>
-              <a:rPr lang="en-US" altLang="ko-KR" sz="2400" dirty="0" smtClean="0"/>
-              <a:t> = </a:t>
-            </a:r>
-            <a:r>
-              <a:rPr lang="en-US" altLang="ko-KR" sz="2400" dirty="0" err="1" smtClean="0"/>
-              <a:t>tTail</a:t>
-            </a:r>
-            <a:r>
-              <a:rPr lang="en-US" altLang="ko-KR" sz="2400" dirty="0" smtClean="0"/>
-              <a:t> = 0</a:t>
-            </a:r>
-          </a:p>
-          <a:p>
-            <a:r>
-              <a:rPr lang="en-US" altLang="ko-KR" sz="2400" dirty="0" smtClean="0"/>
-              <a:t>tStatus = Idle</a:t>
-            </a:r>
-          </a:p>
-        </p:txBody>
-      </p:sp>
-      <p:cxnSp>
-        <p:nvCxnSpPr>
-          <p:cNvPr id="115" name="직선 화살표 연결선 114"/>
-          <p:cNvCxnSpPr>
-            <a:stCxn id="101" idx="2"/>
-            <a:endCxn id="113" idx="0"/>
-          </p:cNvCxnSpPr>
-          <p:nvPr/>
-        </p:nvCxnSpPr>
-        <p:spPr>
-          <a:xfrm>
-            <a:off x="1969084" y="8142766"/>
-            <a:ext cx="0" cy="521472"/>
-          </a:xfrm>
-          <a:prstGeom prst="straightConnector1">
-            <a:avLst/>
-          </a:prstGeom>
-          <a:ln w="28575">
-            <a:solidFill>
-              <a:schemeClr val="tx1"/>
-            </a:solidFill>
-            <a:tailEnd type="triangle" w="lg" len="lg"/>
-          </a:ln>
-        </p:spPr>
-        <p:style>
-          <a:lnRef idx="1">
-            <a:schemeClr val="accent1"/>
-          </a:lnRef>
-          <a:fillRef idx="0">
-            <a:schemeClr val="accent1"/>
-          </a:fillRef>
-          <a:effectRef idx="0">
-            <a:schemeClr val="accent1"/>
-          </a:effectRef>
-          <a:fontRef idx="minor">
-            <a:schemeClr val="tx1"/>
-          </a:fontRef>
-        </p:style>
-      </p:cxnSp>
-      <p:sp>
-        <p:nvSpPr>
-          <p:cNvPr id="116" name="TextBox 115"/>
-          <p:cNvSpPr txBox="1"/>
-          <p:nvPr/>
-        </p:nvSpPr>
-        <p:spPr>
-          <a:xfrm>
-            <a:off x="2049216" y="8110780"/>
-            <a:ext cx="587340" cy="461665"/>
-          </a:xfrm>
-          <a:prstGeom prst="rect">
-            <a:avLst/>
-          </a:prstGeom>
-          <a:noFill/>
-          <a:ln>
-            <a:noFill/>
-          </a:ln>
-        </p:spPr>
-        <p:txBody>
-          <a:bodyPr wrap="none" rtlCol="0">
-            <a:spAutoFit/>
-          </a:bodyPr>
-          <a:lstStyle/>
-          <a:p>
-            <a:r>
-              <a:rPr lang="en-US" altLang="ko-KR" sz="2400" dirty="0" smtClean="0"/>
-              <a:t>Yes</a:t>
-            </a:r>
-          </a:p>
-        </p:txBody>
-      </p:sp>
-      <p:cxnSp>
-        <p:nvCxnSpPr>
-          <p:cNvPr id="117" name="직선 화살표 연결선 116"/>
-          <p:cNvCxnSpPr>
-            <a:stCxn id="113" idx="2"/>
-            <a:endCxn id="114" idx="0"/>
-          </p:cNvCxnSpPr>
-          <p:nvPr/>
-        </p:nvCxnSpPr>
-        <p:spPr>
-          <a:xfrm>
-            <a:off x="1969084" y="10111073"/>
-            <a:ext cx="1" cy="521473"/>
-          </a:xfrm>
-          <a:prstGeom prst="straightConnector1">
-            <a:avLst/>
-          </a:prstGeom>
-          <a:ln w="28575">
-            <a:solidFill>
-              <a:schemeClr val="tx1"/>
-            </a:solidFill>
-            <a:tailEnd type="triangle" w="lg" len="lg"/>
-          </a:ln>
-        </p:spPr>
-        <p:style>
-          <a:lnRef idx="1">
-            <a:schemeClr val="accent1"/>
-          </a:lnRef>
-          <a:fillRef idx="0">
-            <a:schemeClr val="accent1"/>
-          </a:fillRef>
-          <a:effectRef idx="0">
-            <a:schemeClr val="accent1"/>
-          </a:effectRef>
-          <a:fontRef idx="minor">
-            <a:schemeClr val="tx1"/>
-          </a:fontRef>
-        </p:style>
-      </p:cxnSp>
-      <p:sp>
-        <p:nvSpPr>
-          <p:cNvPr id="118" name="TextBox 117"/>
-          <p:cNvSpPr txBox="1"/>
-          <p:nvPr/>
-        </p:nvSpPr>
-        <p:spPr>
-          <a:xfrm>
-            <a:off x="2049216" y="10061936"/>
-            <a:ext cx="587340" cy="461665"/>
-          </a:xfrm>
-          <a:prstGeom prst="rect">
-            <a:avLst/>
-          </a:prstGeom>
-          <a:noFill/>
-          <a:ln>
-            <a:noFill/>
-          </a:ln>
-        </p:spPr>
-        <p:txBody>
-          <a:bodyPr wrap="none" rtlCol="0">
-            <a:spAutoFit/>
-          </a:bodyPr>
-          <a:lstStyle/>
-          <a:p>
-            <a:r>
-              <a:rPr lang="en-US" altLang="ko-KR" sz="2400" dirty="0" smtClean="0"/>
-              <a:t>Yes</a:t>
-            </a:r>
-          </a:p>
-        </p:txBody>
-      </p:sp>
-      <p:sp>
-        <p:nvSpPr>
-          <p:cNvPr id="119" name="TextBox 118"/>
-          <p:cNvSpPr txBox="1"/>
-          <p:nvPr/>
-        </p:nvSpPr>
-        <p:spPr>
-          <a:xfrm>
-            <a:off x="4465904" y="7188516"/>
-            <a:ext cx="4246291" cy="461665"/>
-          </a:xfrm>
-          <a:prstGeom prst="rect">
-            <a:avLst/>
-          </a:prstGeom>
-          <a:noFill/>
-          <a:ln>
-            <a:solidFill>
-              <a:schemeClr val="tx1"/>
-            </a:solidFill>
-          </a:ln>
-        </p:spPr>
-        <p:txBody>
-          <a:bodyPr wrap="none" rtlCol="0">
-            <a:spAutoFit/>
-          </a:bodyPr>
-          <a:lstStyle/>
-          <a:p>
-            <a:r>
-              <a:rPr lang="en-US" altLang="ko-KR" sz="2400" dirty="0" err="1" smtClean="0">
-                <a:solidFill>
-                  <a:srgbClr val="0000FF"/>
-                </a:solidFill>
-              </a:rPr>
-              <a:t>UARTx</a:t>
-            </a:r>
-            <a:r>
-              <a:rPr lang="en-US" altLang="ko-KR" sz="2400" dirty="0" smtClean="0">
-                <a:solidFill>
-                  <a:srgbClr val="0000FF"/>
-                </a:solidFill>
-              </a:rPr>
-              <a:t>-&gt;THR</a:t>
-            </a:r>
-            <a:r>
-              <a:rPr lang="en-US" altLang="ko-KR" sz="2400" dirty="0" smtClean="0"/>
-              <a:t> = Tx_Buffer[</a:t>
-            </a:r>
-            <a:r>
-              <a:rPr lang="en-US" altLang="ko-KR" sz="2400" dirty="0" err="1" smtClean="0"/>
-              <a:t>tTail</a:t>
-            </a:r>
-            <a:r>
-              <a:rPr lang="en-US" altLang="ko-KR" sz="2400" dirty="0" smtClean="0"/>
-              <a:t>++]</a:t>
-            </a:r>
-          </a:p>
-        </p:txBody>
-      </p:sp>
-      <p:sp>
-        <p:nvSpPr>
-          <p:cNvPr id="120" name="다이아몬드 119"/>
-          <p:cNvSpPr/>
-          <p:nvPr/>
-        </p:nvSpPr>
-        <p:spPr>
-          <a:xfrm>
-            <a:off x="5296095" y="8510279"/>
-            <a:ext cx="2585908" cy="1446835"/>
-          </a:xfrm>
-          <a:prstGeom prst="diamond">
-            <a:avLst/>
-          </a:prstGeom>
-          <a:solidFill>
-            <a:schemeClr val="bg1"/>
-          </a:solidFill>
-          <a:ln>
-            <a:solidFill>
-              <a:schemeClr val="tx1"/>
-            </a:solidFill>
-          </a:ln>
-        </p:spPr>
-        <p:style>
-          <a:lnRef idx="2">
-            <a:schemeClr val="accent1">
-              <a:shade val="50000"/>
-            </a:schemeClr>
-          </a:lnRef>
-          <a:fillRef idx="1">
-            <a:schemeClr val="accent1"/>
-          </a:fillRef>
-          <a:effectRef idx="0">
-            <a:schemeClr val="accent1"/>
-          </a:effectRef>
-          <a:fontRef idx="minor">
-            <a:schemeClr val="lt1"/>
-          </a:fontRef>
-        </p:style>
-        <p:txBody>
-          <a:bodyPr rtlCol="0" anchor="ctr"/>
-          <a:lstStyle/>
-          <a:p>
-            <a:pPr algn="ctr"/>
-            <a:r>
-              <a:rPr lang="en-US" altLang="ko-KR" sz="2400" dirty="0" err="1" smtClean="0">
-                <a:solidFill>
-                  <a:schemeClr val="tx1"/>
-                </a:solidFill>
-              </a:rPr>
               <a:t>tTail</a:t>
             </a:r>
             <a:r>
@@ -4426,7 +4139,7 @@
         </p:nvCxnSpPr>
         <p:spPr>
           <a:xfrm flipV="1">
-            <a:off x="3262038" y="7419349"/>
+            <a:off x="3262038" y="9217669"/>
             <a:ext cx="1203866" cy="1968307"/>
           </a:xfrm>
           <a:prstGeom prst="bentConnector3">
@@ -4464,7 +4177,7 @@
         </p:nvSpPr>
         <p:spPr>
           <a:xfrm>
-            <a:off x="3258256" y="8923580"/>
+            <a:off x="3258256" y="10721900"/>
             <a:ext cx="545342" cy="461665"/>
           </a:xfrm>
           <a:prstGeom prst="rect">
@@ -4499,7 +4212,7 @@
         </p:nvCxnSpPr>
         <p:spPr>
           <a:xfrm flipH="1">
-            <a:off x="6589049" y="7650181"/>
+            <a:off x="6589049" y="9448501"/>
             <a:ext cx="1" cy="860098"/>
           </a:xfrm>
           <a:prstGeom prst="straightConnector1">
@@ -4535,7 +4248,7 @@
         </p:nvSpPr>
         <p:spPr>
           <a:xfrm>
-            <a:off x="6014212" y="10817212"/>
+            <a:off x="6014212" y="12615532"/>
             <a:ext cx="1149674" cy="461665"/>
           </a:xfrm>
           <a:prstGeom prst="rect">
@@ -4576,7 +4289,7 @@
         </p:nvCxnSpPr>
         <p:spPr>
           <a:xfrm>
-            <a:off x="6589049" y="9957114"/>
+            <a:off x="6589049" y="11755434"/>
             <a:ext cx="0" cy="860098"/>
           </a:xfrm>
           <a:prstGeom prst="straightConnector1">
@@ -4606,23 +4319,21 @@
       </p:cxnSp>
       <p:sp>
         <p:nvSpPr>
-          <p:cNvPr id="139" name="TextBox 138"/>
+          <p:cNvPr id="141" name="TextBox 140"/>
           <p:cNvSpPr txBox="1"/>
           <p:nvPr/>
         </p:nvSpPr>
         <p:spPr>
           <a:xfrm>
-            <a:off x="8371332" y="10817212"/>
-            <a:ext cx="2542684" cy="461665"/>
+            <a:off x="6611056" y="11860256"/>
+            <a:ext cx="587340" cy="461665"/>
           </a:xfrm>
           <a:prstGeom prst="rect">
             <a:avLst/>
           </a:prstGeom>
           <a:noFill/>
           <a:ln>
-            <a:solidFill>
-              <a:schemeClr val="tx1"/>
-            </a:solidFill>
+            <a:noFill/>
           </a:ln>
         </p:spPr>
         <p:txBody>
@@ -4633,149 +4344,7 @@
           <a:p>
             <a:r>
               <a:rPr lang="en-US" altLang="ko-KR" sz="2400" dirty="0" smtClean="0"/>
-              <a:t>Disable TX Handler</a:t>
-            </a:r>
-          </a:p>
-        </p:txBody>
-      </p:sp>
-      <p:cxnSp>
-        <p:nvCxnSpPr>
-          <p:cNvPr id="140" name="직선 화살표 연결선 139"/>
-          <p:cNvCxnSpPr>
-            <a:stCxn id="135" idx="3"/>
-            <a:endCxn id="139" idx="1"/>
-          </p:cNvCxnSpPr>
-          <p:nvPr/>
-        </p:nvCxnSpPr>
-        <p:spPr>
-          <a:xfrm>
-            <a:off x="7163886" y="11048045"/>
-            <a:ext cx="1207446" cy="0"/>
-          </a:xfrm>
-          <a:prstGeom prst="straightConnector1">
-            <a:avLst/>
-          </a:prstGeom>
-          <a:ln w="28575">
-            <a:solidFill>
-              <a:schemeClr val="tx1"/>
-            </a:solidFill>
-            <a:tailEnd type="triangle" w="lg" len="lg"/>
-          </a:ln>
-        </p:spPr>
-        <p:style>
-          <a:lnRef idx="1">
-            <a:schemeClr val="accent1"/>
-          </a:lnRef>
-          <a:fillRef idx="0">
-            <a:schemeClr val="accent1"/>
-          </a:fillRef>
-          <a:effectRef idx="0">
-            <a:schemeClr val="accent1"/>
-          </a:effectRef>
-          <a:fontRef idx="minor">
-            <a:schemeClr val="tx1"/>
-          </a:fontRef>
-        </p:style>
-      </p:cxnSp>
-      <p:sp>
-        <p:nvSpPr>
-          <p:cNvPr id="141" name="TextBox 140"/>
-          <p:cNvSpPr txBox="1"/>
-          <p:nvPr/>
-        </p:nvSpPr>
-        <p:spPr>
-          <a:xfrm>
-            <a:off x="6611056" y="10061936"/>
-            <a:ext cx="587340" cy="461665"/>
-          </a:xfrm>
-          <a:prstGeom prst="rect">
-            <a:avLst/>
-          </a:prstGeom>
-          <a:noFill/>
-          <a:ln>
-            <a:noFill/>
-          </a:ln>
-        </p:spPr>
-        <p:txBody>
-          <a:bodyPr wrap="none" rtlCol="0">
-            <a:spAutoFit/>
-          </a:bodyPr>
-          <a:lstStyle/>
-          <a:p>
-            <a:r>
-              <a:rPr lang="en-US" altLang="ko-KR" sz="2400" dirty="0" smtClean="0"/>
               <a:t>Yes</a:t>
-            </a:r>
-          </a:p>
-        </p:txBody>
-      </p:sp>
-      <p:cxnSp>
-        <p:nvCxnSpPr>
-          <p:cNvPr id="142" name="직선 화살표 연결선 136"/>
-          <p:cNvCxnSpPr>
-            <a:stCxn id="120" idx="3"/>
-            <a:endCxn id="139" idx="0"/>
-          </p:cNvCxnSpPr>
-          <p:nvPr/>
-        </p:nvCxnSpPr>
-        <p:spPr>
-          <a:xfrm>
-            <a:off x="7882003" y="9233697"/>
-            <a:ext cx="1760671" cy="1583515"/>
-          </a:xfrm>
-          <a:prstGeom prst="bentConnector2">
-            <a:avLst/>
-          </a:prstGeom>
-          <a:ln w="28575">
-            <a:solidFill>
-              <a:schemeClr val="tx1"/>
-            </a:solidFill>
-            <a:tailEnd type="triangle" w="lg" len="lg"/>
-          </a:ln>
-        </p:spPr>
-        <p:style>
-          <a:lnRef idx="1">
-            <a:schemeClr val="accent1"/>
-          </a:lnRef>
-          <a:fillRef idx="0">
-            <a:schemeClr val="accent1"/>
-          </a:fillRef>
-          <a:effectRef idx="0">
-            <a:schemeClr val="accent1"/>
-          </a:effectRef>
-          <a:fontRef idx="minor">
-            <a:schemeClr val="tx1"/>
-          </a:fontRef>
-        </p:style>
-      </p:cxnSp>
-      <p:sp>
-        <p:nvSpPr>
-          <p:cNvPr id="143" name="TextBox 142"/>
-          <p:cNvSpPr txBox="1"/>
-          <p:nvPr/>
-        </p:nvSpPr>
-        <p:spPr>
-          <a:xfrm>
-            <a:off x="7860736" y="8791936"/>
-            <a:ext cx="545342" cy="461665"/>
-          </a:xfrm>
-          <a:prstGeom prst="rect">
-            <a:avLst/>
-          </a:prstGeom>
-          <a:noFill/>
-          <a:ln>
-            <a:noFill/>
-          </a:ln>
-        </p:spPr>
-        <p:txBody>
-          <a:bodyPr wrap="none" rtlCol="0">
-            <a:spAutoFit/>
-          </a:bodyPr>
-          <a:lstStyle/>
-          <a:p>
-            <a:r>
-              <a:rPr lang="en-US" altLang="ko-KR" sz="2400" dirty="0" smtClean="0"/>
-              <a:t>No</a:t>
             </a:r>
           </a:p>
         </p:txBody>
@@ -4788,7 +4357,7 @@
         </p:nvGrpSpPr>
         <p:grpSpPr>
           <a:xfrm>
-            <a:off x="9956800" y="6081076"/>
+            <a:off x="9956800" y="7879396"/>
             <a:ext cx="1051152" cy="461665"/>
             <a:chOff x="9956800" y="6081076"/>
             <a:chExt cx="1051152" cy="461665"/>
@@ -4953,7 +4522,7 @@
         </p:nvCxnSpPr>
         <p:spPr>
           <a:xfrm flipV="1">
-            <a:off x="8768080" y="6461760"/>
+            <a:off x="8768080" y="8260080"/>
             <a:ext cx="1127760" cy="701040"/>
           </a:xfrm>
           <a:prstGeom prst="straightConnector1">
@@ -4964,6 +4533,628 @@
               <a:srgbClr val="0000FF"/>
             </a:solidFill>
             <a:prstDash val="sysDash"/>
+            <a:tailEnd type="triangle" w="lg" len="lg"/>
+          </a:ln>
+        </p:spPr>
+        <p:style>
+          <a:lnRef idx="1">
+            <a:schemeClr val="accent1"/>
+          </a:lnRef>
+          <a:fillRef idx="0">
+            <a:schemeClr val="accent1"/>
+          </a:fillRef>
+          <a:effectRef idx="0">
+            <a:schemeClr val="accent1"/>
+          </a:effectRef>
+          <a:fontRef idx="minor">
+            <a:schemeClr val="tx1"/>
+          </a:fontRef>
+        </p:style>
+      </p:cxnSp>
+      <p:sp>
+        <p:nvSpPr>
+          <p:cNvPr id="44" name="다이아몬드 43"/>
+          <p:cNvSpPr/>
+          <p:nvPr/>
+        </p:nvSpPr>
+        <p:spPr>
+          <a:xfrm>
+            <a:off x="1140950" y="2093451"/>
+            <a:ext cx="2585908" cy="1446835"/>
+          </a:xfrm>
+          <a:prstGeom prst="diamond">
+            <a:avLst/>
+          </a:prstGeom>
+          <a:solidFill>
+            <a:schemeClr val="bg1"/>
+          </a:solidFill>
+          <a:ln>
+            <a:solidFill>
+              <a:schemeClr val="tx1"/>
+            </a:solidFill>
+          </a:ln>
+        </p:spPr>
+        <p:style>
+          <a:lnRef idx="2">
+            <a:schemeClr val="accent1">
+              <a:shade val="50000"/>
+            </a:schemeClr>
+          </a:lnRef>
+          <a:fillRef idx="1">
+            <a:schemeClr val="accent1"/>
+          </a:fillRef>
+          <a:effectRef idx="0">
+            <a:schemeClr val="accent1"/>
+          </a:effectRef>
+          <a:fontRef idx="minor">
+            <a:schemeClr val="lt1"/>
+          </a:fontRef>
+        </p:style>
+        <p:txBody>
+          <a:bodyPr rtlCol="0" anchor="ctr"/>
+          <a:lstStyle/>
+          <a:p>
+            <a:pPr algn="ctr"/>
+            <a:r>
+              <a:rPr lang="en-US" altLang="ko-KR" sz="2400" dirty="0" err="1" smtClean="0">
+                <a:solidFill>
+                  <a:schemeClr val="tx1"/>
+                </a:solidFill>
+              </a:rPr>
+              <a:t>tHead</a:t>
+            </a:r>
+            <a:r>
+              <a:rPr lang="en-US" altLang="ko-KR" sz="2400" dirty="0" smtClean="0">
+                <a:solidFill>
+                  <a:schemeClr val="tx1"/>
+                </a:solidFill>
+              </a:rPr>
+              <a:t>==</a:t>
+            </a:r>
+          </a:p>
+          <a:p>
+            <a:pPr algn="ctr"/>
+            <a:r>
+              <a:rPr lang="en-US" altLang="ko-KR" sz="2400" dirty="0" err="1" smtClean="0">
+                <a:solidFill>
+                  <a:schemeClr val="tx1"/>
+                </a:solidFill>
+              </a:rPr>
+              <a:t>tTail</a:t>
+            </a:r>
+            <a:r>
+              <a:rPr lang="en-US" altLang="ko-KR" sz="2400" dirty="0" smtClean="0">
+                <a:solidFill>
+                  <a:schemeClr val="tx1"/>
+                </a:solidFill>
+              </a:rPr>
+              <a:t>?</a:t>
+            </a:r>
+          </a:p>
+        </p:txBody>
+      </p:sp>
+      <p:sp>
+        <p:nvSpPr>
+          <p:cNvPr id="49" name="TextBox 48"/>
+          <p:cNvSpPr txBox="1"/>
+          <p:nvPr/>
+        </p:nvSpPr>
+        <p:spPr>
+          <a:xfrm>
+            <a:off x="1334084" y="4208053"/>
+            <a:ext cx="2199641" cy="461665"/>
+          </a:xfrm>
+          <a:prstGeom prst="rect">
+            <a:avLst/>
+          </a:prstGeom>
+          <a:noFill/>
+          <a:ln>
+            <a:solidFill>
+              <a:schemeClr val="tx1"/>
+            </a:solidFill>
+          </a:ln>
+        </p:spPr>
+        <p:txBody>
+          <a:bodyPr wrap="none" rtlCol="0">
+            <a:spAutoFit/>
+          </a:bodyPr>
+          <a:lstStyle/>
+          <a:p>
+            <a:r>
+              <a:rPr lang="en-US" altLang="ko-KR" sz="2400" dirty="0" err="1" smtClean="0"/>
+              <a:t>tHead</a:t>
+            </a:r>
+            <a:r>
+              <a:rPr lang="en-US" altLang="ko-KR" sz="2400" dirty="0" smtClean="0"/>
+              <a:t> = </a:t>
+            </a:r>
+            <a:r>
+              <a:rPr lang="en-US" altLang="ko-KR" sz="2400" dirty="0" err="1" smtClean="0"/>
+              <a:t>tTail</a:t>
+            </a:r>
+            <a:r>
+              <a:rPr lang="en-US" altLang="ko-KR" sz="2400" dirty="0" smtClean="0"/>
+              <a:t> = 0</a:t>
+            </a:r>
+          </a:p>
+        </p:txBody>
+      </p:sp>
+      <p:cxnSp>
+        <p:nvCxnSpPr>
+          <p:cNvPr id="52" name="직선 화살표 연결선 51"/>
+          <p:cNvCxnSpPr>
+            <a:stCxn id="44" idx="2"/>
+            <a:endCxn id="49" idx="0"/>
+          </p:cNvCxnSpPr>
+          <p:nvPr/>
+        </p:nvCxnSpPr>
+        <p:spPr>
+          <a:xfrm>
+            <a:off x="2433904" y="3540286"/>
+            <a:ext cx="1" cy="667767"/>
+          </a:xfrm>
+          <a:prstGeom prst="straightConnector1">
+            <a:avLst/>
+          </a:prstGeom>
+          <a:ln w="28575">
+            <a:solidFill>
+              <a:schemeClr val="tx1"/>
+            </a:solidFill>
+            <a:tailEnd type="triangle" w="lg" len="lg"/>
+          </a:ln>
+        </p:spPr>
+        <p:style>
+          <a:lnRef idx="1">
+            <a:schemeClr val="accent1"/>
+          </a:lnRef>
+          <a:fillRef idx="0">
+            <a:schemeClr val="accent1"/>
+          </a:fillRef>
+          <a:effectRef idx="0">
+            <a:schemeClr val="accent1"/>
+          </a:effectRef>
+          <a:fontRef idx="minor">
+            <a:schemeClr val="tx1"/>
+          </a:fontRef>
+        </p:style>
+      </p:cxnSp>
+      <p:cxnSp>
+        <p:nvCxnSpPr>
+          <p:cNvPr id="55" name="직선 화살표 연결선 54"/>
+          <p:cNvCxnSpPr>
+            <a:stCxn id="49" idx="2"/>
+            <a:endCxn id="125" idx="0"/>
+          </p:cNvCxnSpPr>
+          <p:nvPr/>
+        </p:nvCxnSpPr>
+        <p:spPr>
+          <a:xfrm>
+            <a:off x="2433905" y="4669718"/>
+            <a:ext cx="0" cy="648955"/>
+          </a:xfrm>
+          <a:prstGeom prst="straightConnector1">
+            <a:avLst/>
+          </a:prstGeom>
+          <a:ln w="28575">
+            <a:solidFill>
+              <a:schemeClr val="tx1"/>
+            </a:solidFill>
+            <a:tailEnd type="triangle" w="lg" len="lg"/>
+          </a:ln>
+        </p:spPr>
+        <p:style>
+          <a:lnRef idx="1">
+            <a:schemeClr val="accent1"/>
+          </a:lnRef>
+          <a:fillRef idx="0">
+            <a:schemeClr val="accent1"/>
+          </a:fillRef>
+          <a:effectRef idx="0">
+            <a:schemeClr val="accent1"/>
+          </a:effectRef>
+          <a:fontRef idx="minor">
+            <a:schemeClr val="tx1"/>
+          </a:fontRef>
+        </p:style>
+      </p:cxnSp>
+      <p:sp>
+        <p:nvSpPr>
+          <p:cNvPr id="58" name="TextBox 57"/>
+          <p:cNvSpPr txBox="1"/>
+          <p:nvPr/>
+        </p:nvSpPr>
+        <p:spPr>
+          <a:xfrm>
+            <a:off x="2567376" y="3477820"/>
+            <a:ext cx="587340" cy="461665"/>
+          </a:xfrm>
+          <a:prstGeom prst="rect">
+            <a:avLst/>
+          </a:prstGeom>
+          <a:noFill/>
+          <a:ln>
+            <a:noFill/>
+          </a:ln>
+        </p:spPr>
+        <p:txBody>
+          <a:bodyPr wrap="none" rtlCol="0">
+            <a:spAutoFit/>
+          </a:bodyPr>
+          <a:lstStyle/>
+          <a:p>
+            <a:r>
+              <a:rPr lang="en-US" altLang="ko-KR" sz="2400" dirty="0" smtClean="0"/>
+              <a:t>Yes</a:t>
+            </a:r>
+          </a:p>
+        </p:txBody>
+      </p:sp>
+      <p:sp>
+        <p:nvSpPr>
+          <p:cNvPr id="61" name="TextBox 60"/>
+          <p:cNvSpPr txBox="1"/>
+          <p:nvPr/>
+        </p:nvSpPr>
+        <p:spPr>
+          <a:xfrm>
+            <a:off x="7795228" y="2586036"/>
+            <a:ext cx="3782702" cy="461665"/>
+          </a:xfrm>
+          <a:prstGeom prst="rect">
+            <a:avLst/>
+          </a:prstGeom>
+          <a:noFill/>
+          <a:ln>
+            <a:solidFill>
+              <a:schemeClr val="tx1"/>
+            </a:solidFill>
+          </a:ln>
+        </p:spPr>
+        <p:txBody>
+          <a:bodyPr wrap="none" rtlCol="0">
+            <a:spAutoFit/>
+          </a:bodyPr>
+          <a:lstStyle/>
+          <a:p>
+            <a:r>
+              <a:rPr lang="en-US" altLang="ko-KR" sz="2400" dirty="0" smtClean="0"/>
+              <a:t>return TX_TIMEOUT_ERROR;</a:t>
+            </a:r>
+          </a:p>
+        </p:txBody>
+      </p:sp>
+      <p:sp>
+        <p:nvSpPr>
+          <p:cNvPr id="67" name="TextBox 66"/>
+          <p:cNvSpPr txBox="1"/>
+          <p:nvPr/>
+        </p:nvSpPr>
+        <p:spPr>
+          <a:xfrm>
+            <a:off x="3801816" y="2319580"/>
+            <a:ext cx="545342" cy="461665"/>
+          </a:xfrm>
+          <a:prstGeom prst="rect">
+            <a:avLst/>
+          </a:prstGeom>
+          <a:noFill/>
+          <a:ln>
+            <a:noFill/>
+          </a:ln>
+        </p:spPr>
+        <p:txBody>
+          <a:bodyPr wrap="none" rtlCol="0">
+            <a:spAutoFit/>
+          </a:bodyPr>
+          <a:lstStyle/>
+          <a:p>
+            <a:r>
+              <a:rPr lang="en-US" altLang="ko-KR" sz="2400" smtClean="0"/>
+              <a:t>No</a:t>
+            </a:r>
+            <a:endParaRPr lang="en-US" altLang="ko-KR" sz="2400" dirty="0" smtClean="0"/>
+          </a:p>
+        </p:txBody>
+      </p:sp>
+      <p:sp>
+        <p:nvSpPr>
+          <p:cNvPr id="72" name="다이아몬드 71"/>
+          <p:cNvSpPr/>
+          <p:nvPr/>
+        </p:nvSpPr>
+        <p:spPr>
+          <a:xfrm>
+            <a:off x="4468089" y="2093451"/>
+            <a:ext cx="2585908" cy="1446835"/>
+          </a:xfrm>
+          <a:prstGeom prst="diamond">
+            <a:avLst/>
+          </a:prstGeom>
+          <a:solidFill>
+            <a:schemeClr val="bg1"/>
+          </a:solidFill>
+          <a:ln>
+            <a:solidFill>
+              <a:schemeClr val="tx1"/>
+            </a:solidFill>
+          </a:ln>
+        </p:spPr>
+        <p:style>
+          <a:lnRef idx="2">
+            <a:schemeClr val="accent1">
+              <a:shade val="50000"/>
+            </a:schemeClr>
+          </a:lnRef>
+          <a:fillRef idx="1">
+            <a:schemeClr val="accent1"/>
+          </a:fillRef>
+          <a:effectRef idx="0">
+            <a:schemeClr val="accent1"/>
+          </a:effectRef>
+          <a:fontRef idx="minor">
+            <a:schemeClr val="lt1"/>
+          </a:fontRef>
+        </p:style>
+        <p:txBody>
+          <a:bodyPr rtlCol="0" anchor="ctr"/>
+          <a:lstStyle/>
+          <a:p>
+            <a:pPr algn="ctr"/>
+            <a:r>
+              <a:rPr lang="en-US" altLang="ko-KR" sz="2400" dirty="0" smtClean="0">
+                <a:solidFill>
+                  <a:schemeClr val="tx1"/>
+                </a:solidFill>
+              </a:rPr>
+              <a:t>timeout?</a:t>
+            </a:r>
+          </a:p>
+        </p:txBody>
+      </p:sp>
+      <p:cxnSp>
+        <p:nvCxnSpPr>
+          <p:cNvPr id="75" name="직선 화살표 연결선 74"/>
+          <p:cNvCxnSpPr>
+            <a:stCxn id="44" idx="3"/>
+            <a:endCxn id="72" idx="1"/>
+          </p:cNvCxnSpPr>
+          <p:nvPr/>
+        </p:nvCxnSpPr>
+        <p:spPr>
+          <a:xfrm>
+            <a:off x="3726858" y="2816869"/>
+            <a:ext cx="741231" cy="0"/>
+          </a:xfrm>
+          <a:prstGeom prst="straightConnector1">
+            <a:avLst/>
+          </a:prstGeom>
+          <a:ln w="28575">
+            <a:solidFill>
+              <a:schemeClr val="tx1"/>
+            </a:solidFill>
+            <a:tailEnd type="triangle" w="lg" len="lg"/>
+          </a:ln>
+        </p:spPr>
+        <p:style>
+          <a:lnRef idx="1">
+            <a:schemeClr val="accent1"/>
+          </a:lnRef>
+          <a:fillRef idx="0">
+            <a:schemeClr val="accent1"/>
+          </a:fillRef>
+          <a:effectRef idx="0">
+            <a:schemeClr val="accent1"/>
+          </a:effectRef>
+          <a:fontRef idx="minor">
+            <a:schemeClr val="tx1"/>
+          </a:fontRef>
+        </p:style>
+      </p:cxnSp>
+      <p:cxnSp>
+        <p:nvCxnSpPr>
+          <p:cNvPr id="78" name="직선 화살표 연결선 77"/>
+          <p:cNvCxnSpPr>
+            <a:stCxn id="72" idx="3"/>
+            <a:endCxn id="61" idx="1"/>
+          </p:cNvCxnSpPr>
+          <p:nvPr/>
+        </p:nvCxnSpPr>
+        <p:spPr>
+          <a:xfrm>
+            <a:off x="7053997" y="2816869"/>
+            <a:ext cx="741231" cy="0"/>
+          </a:xfrm>
+          <a:prstGeom prst="straightConnector1">
+            <a:avLst/>
+          </a:prstGeom>
+          <a:ln w="28575">
+            <a:solidFill>
+              <a:schemeClr val="tx1"/>
+            </a:solidFill>
+            <a:tailEnd type="triangle" w="lg" len="lg"/>
+          </a:ln>
+        </p:spPr>
+        <p:style>
+          <a:lnRef idx="1">
+            <a:schemeClr val="accent1"/>
+          </a:lnRef>
+          <a:fillRef idx="0">
+            <a:schemeClr val="accent1"/>
+          </a:fillRef>
+          <a:effectRef idx="0">
+            <a:schemeClr val="accent1"/>
+          </a:effectRef>
+          <a:fontRef idx="minor">
+            <a:schemeClr val="tx1"/>
+          </a:fontRef>
+        </p:style>
+      </p:cxnSp>
+      <p:sp>
+        <p:nvSpPr>
+          <p:cNvPr id="82" name="TextBox 81"/>
+          <p:cNvSpPr txBox="1"/>
+          <p:nvPr/>
+        </p:nvSpPr>
+        <p:spPr>
+          <a:xfrm>
+            <a:off x="7063176" y="2319580"/>
+            <a:ext cx="587340" cy="461665"/>
+          </a:xfrm>
+          <a:prstGeom prst="rect">
+            <a:avLst/>
+          </a:prstGeom>
+          <a:noFill/>
+          <a:ln>
+            <a:noFill/>
+          </a:ln>
+        </p:spPr>
+        <p:txBody>
+          <a:bodyPr wrap="none" rtlCol="0">
+            <a:spAutoFit/>
+          </a:bodyPr>
+          <a:lstStyle/>
+          <a:p>
+            <a:r>
+              <a:rPr lang="en-US" altLang="ko-KR" sz="2400" dirty="0" smtClean="0"/>
+              <a:t>Yes</a:t>
+            </a:r>
+          </a:p>
+        </p:txBody>
+      </p:sp>
+      <p:cxnSp>
+        <p:nvCxnSpPr>
+          <p:cNvPr id="84" name="직선 화살표 연결선 136"/>
+          <p:cNvCxnSpPr>
+            <a:stCxn id="72" idx="0"/>
+            <a:endCxn id="44" idx="0"/>
+          </p:cNvCxnSpPr>
+          <p:nvPr/>
+        </p:nvCxnSpPr>
+        <p:spPr>
+          <a:xfrm rot="16200000" flipV="1">
+            <a:off x="4097474" y="429881"/>
+            <a:ext cx="12700" cy="3327139"/>
+          </a:xfrm>
+          <a:prstGeom prst="bentConnector3">
+            <a:avLst>
+              <a:gd name="adj1" fmla="val 3719984"/>
+            </a:avLst>
+          </a:prstGeom>
+          <a:ln w="28575">
+            <a:solidFill>
+              <a:schemeClr val="tx1"/>
+            </a:solidFill>
+            <a:tailEnd type="triangle" w="lg" len="lg"/>
+          </a:ln>
+        </p:spPr>
+        <p:style>
+          <a:lnRef idx="1">
+            <a:schemeClr val="accent1"/>
+          </a:lnRef>
+          <a:fillRef idx="0">
+            <a:schemeClr val="accent1"/>
+          </a:fillRef>
+          <a:effectRef idx="0">
+            <a:schemeClr val="accent1"/>
+          </a:effectRef>
+          <a:fontRef idx="minor">
+            <a:schemeClr val="tx1"/>
+          </a:fontRef>
+        </p:style>
+      </p:cxnSp>
+      <p:sp>
+        <p:nvSpPr>
+          <p:cNvPr id="87" name="TextBox 86"/>
+          <p:cNvSpPr txBox="1"/>
+          <p:nvPr/>
+        </p:nvSpPr>
+        <p:spPr>
+          <a:xfrm>
+            <a:off x="5828736" y="1633780"/>
+            <a:ext cx="545342" cy="461665"/>
+          </a:xfrm>
+          <a:prstGeom prst="rect">
+            <a:avLst/>
+          </a:prstGeom>
+          <a:noFill/>
+          <a:ln>
+            <a:noFill/>
+          </a:ln>
+        </p:spPr>
+        <p:txBody>
+          <a:bodyPr wrap="none" rtlCol="0">
+            <a:spAutoFit/>
+          </a:bodyPr>
+          <a:lstStyle/>
+          <a:p>
+            <a:r>
+              <a:rPr lang="en-US" altLang="ko-KR" sz="2400" smtClean="0"/>
+              <a:t>No</a:t>
+            </a:r>
+            <a:endParaRPr lang="en-US" altLang="ko-KR" sz="2400" dirty="0" smtClean="0"/>
+          </a:p>
+        </p:txBody>
+      </p:sp>
+      <p:sp>
+        <p:nvSpPr>
+          <p:cNvPr id="46" name="TextBox 45"/>
+          <p:cNvSpPr txBox="1"/>
+          <p:nvPr/>
+        </p:nvSpPr>
+        <p:spPr>
+          <a:xfrm>
+            <a:off x="9105868" y="5503339"/>
+            <a:ext cx="2684646" cy="461665"/>
+          </a:xfrm>
+          <a:prstGeom prst="rect">
+            <a:avLst/>
+          </a:prstGeom>
+          <a:noFill/>
+          <a:ln>
+            <a:solidFill>
+              <a:schemeClr val="tx1"/>
+            </a:solidFill>
+          </a:ln>
+        </p:spPr>
+        <p:txBody>
+          <a:bodyPr wrap="none" rtlCol="0">
+            <a:spAutoFit/>
+          </a:bodyPr>
+          <a:lstStyle/>
+          <a:p>
+            <a:r>
+              <a:rPr lang="en-US" altLang="ko-KR" sz="2400" smtClean="0"/>
+              <a:t>return </a:t>
+            </a:r>
+            <a:r>
+              <a:rPr lang="en-US" altLang="ko-KR" sz="2400" smtClean="0"/>
+              <a:t>TX_SUCCESS;</a:t>
+            </a:r>
+            <a:endParaRPr lang="en-US" altLang="ko-KR" sz="2400" dirty="0" smtClean="0"/>
+          </a:p>
+        </p:txBody>
+      </p:sp>
+      <p:cxnSp>
+        <p:nvCxnSpPr>
+          <p:cNvPr id="47" name="직선 화살표 연결선 46"/>
+          <p:cNvCxnSpPr>
+            <a:stCxn id="79" idx="3"/>
+            <a:endCxn id="46" idx="1"/>
+          </p:cNvCxnSpPr>
+          <p:nvPr/>
+        </p:nvCxnSpPr>
+        <p:spPr>
+          <a:xfrm>
+            <a:off x="8326051" y="5734171"/>
+            <a:ext cx="779817" cy="1"/>
+          </a:xfrm>
+          <a:prstGeom prst="straightConnector1">
+            <a:avLst/>
+          </a:prstGeom>
+          <a:ln w="28575">
+            <a:solidFill>
+              <a:schemeClr val="tx1"/>
+            </a:solidFill>
             <a:tailEnd type="triangle" w="lg" len="lg"/>
           </a:ln>
         </p:spPr>
@@ -5864,7 +6055,7 @@
         </p:nvSpPr>
         <p:spPr>
           <a:xfrm>
-            <a:off x="761012" y="9103594"/>
+            <a:off x="849342" y="9103594"/>
             <a:ext cx="2834302" cy="1200329"/>
           </a:xfrm>
           <a:prstGeom prst="rect">
@@ -5947,7 +6138,7 @@
         </p:nvSpPr>
         <p:spPr>
           <a:xfrm>
-            <a:off x="817654" y="10874737"/>
+            <a:off x="905984" y="10874737"/>
             <a:ext cx="2721018" cy="1446835"/>
           </a:xfrm>
           <a:prstGeom prst="diamond">
@@ -6013,7 +6204,7 @@
         </p:nvSpPr>
         <p:spPr>
           <a:xfrm>
-            <a:off x="817654" y="12892386"/>
+            <a:off x="905984" y="12892386"/>
             <a:ext cx="2721018" cy="1446835"/>
           </a:xfrm>
           <a:prstGeom prst="diamond">
@@ -6095,8 +6286,8 @@
         </p:nvSpPr>
         <p:spPr>
           <a:xfrm>
-            <a:off x="1073534" y="14910034"/>
-            <a:ext cx="2209259" cy="830997"/>
+            <a:off x="524894" y="14757634"/>
+            <a:ext cx="3483198" cy="1200329"/>
           </a:xfrm>
           <a:prstGeom prst="rect">
             <a:avLst/>
@@ -6135,6 +6326,12 @@
             <a:r>
               <a:rPr lang="en-US" altLang="ko-KR" sz="2400" dirty="0" smtClean="0"/>
               <a:t>rStatus = Idle</a:t>
+            </a:r>
+          </a:p>
+          <a:p>
+            <a:r>
+              <a:rPr lang="en-US" altLang="ko-KR" sz="2400" dirty="0" smtClean="0"/>
+              <a:t>return RX_EMPTY_ERROR;</a:t>
             </a:r>
           </a:p>
         </p:txBody>
@@ -6380,7 +6577,7 @@
         </p:nvCxnSpPr>
         <p:spPr>
           <a:xfrm>
-            <a:off x="2178163" y="10303923"/>
+            <a:off x="2266493" y="10303923"/>
             <a:ext cx="0" cy="570814"/>
           </a:xfrm>
           <a:prstGeom prst="straightConnector1">
@@ -6419,7 +6616,7 @@
         </p:nvCxnSpPr>
         <p:spPr>
           <a:xfrm>
-            <a:off x="2178163" y="12321572"/>
+            <a:off x="2266493" y="12321572"/>
             <a:ext cx="0" cy="570814"/>
           </a:xfrm>
           <a:prstGeom prst="straightConnector1">
@@ -6458,8 +6655,8 @@
         </p:nvCxnSpPr>
         <p:spPr>
           <a:xfrm>
-            <a:off x="2178163" y="14339221"/>
-            <a:ext cx="1" cy="570813"/>
+            <a:off x="2266493" y="14339221"/>
+            <a:ext cx="0" cy="418413"/>
           </a:xfrm>
           <a:prstGeom prst="straightConnector1">
             <a:avLst/>
@@ -6614,8 +6811,8 @@
         </p:nvCxnSpPr>
         <p:spPr>
           <a:xfrm flipV="1">
-            <a:off x="3538672" y="9934591"/>
-            <a:ext cx="2449190" cy="1663564"/>
+            <a:off x="3627002" y="9934591"/>
+            <a:ext cx="2360860" cy="1663564"/>
           </a:xfrm>
           <a:prstGeom prst="bentConnector2">
             <a:avLst/>
@@ -6653,8 +6850,8 @@
         </p:nvCxnSpPr>
         <p:spPr>
           <a:xfrm flipV="1">
-            <a:off x="3538672" y="12564244"/>
-            <a:ext cx="707591" cy="1051560"/>
+            <a:off x="3627002" y="12564244"/>
+            <a:ext cx="619261" cy="1051560"/>
           </a:xfrm>
           <a:prstGeom prst="bentConnector3">
             <a:avLst>
@@ -6764,7 +6961,7 @@
         </p:nvSpPr>
         <p:spPr>
           <a:xfrm>
-            <a:off x="2261867" y="14325600"/>
+            <a:off x="2383787" y="14234160"/>
             <a:ext cx="587340" cy="461665"/>
           </a:xfrm>
           <a:prstGeom prst="rect">
@@ -6796,7 +6993,7 @@
         </p:nvSpPr>
         <p:spPr>
           <a:xfrm>
-            <a:off x="3328667" y="13121640"/>
+            <a:off x="3359147" y="13045440"/>
             <a:ext cx="545342" cy="461665"/>
           </a:xfrm>
           <a:prstGeom prst="rect">
@@ -6828,7 +7025,7 @@
         </p:nvSpPr>
         <p:spPr>
           <a:xfrm>
-            <a:off x="3496307" y="11125200"/>
+            <a:off x="3496307" y="11079480"/>
             <a:ext cx="545342" cy="461665"/>
           </a:xfrm>
           <a:prstGeom prst="rect">
